--- a/JeffRudolph_DigitalPoster_48x36.pptx
+++ b/JeffRudolph_DigitalPoster_48x36.pptx
@@ -5648,8 +5648,21 @@
                 <a:ea typeface="Open Sans" panose="020B0606030504020204" pitchFamily="34" charset="0"/>
                 <a:cs typeface="Open Sans" panose="020B0606030504020204" pitchFamily="34" charset="0"/>
               </a:rPr>
-              <a:t>	64 trees with a max depth of 5</a:t>
-            </a:r>
+              <a:t>	64 trees with a max depth </a:t>
+            </a:r>
+            <a:r>
+              <a:rPr lang="en-US" sz="3600">
+                <a:latin typeface="Domine" panose="02040503040403060204" pitchFamily="18" charset="0"/>
+                <a:ea typeface="Open Sans" panose="020B0606030504020204" pitchFamily="34" charset="0"/>
+                <a:cs typeface="Open Sans" panose="020B0606030504020204" pitchFamily="34" charset="0"/>
+              </a:rPr>
+              <a:t>of 15</a:t>
+            </a:r>
+            <a:endParaRPr lang="en-US" sz="3600" dirty="0">
+              <a:latin typeface="Domine" panose="02040503040403060204" pitchFamily="18" charset="0"/>
+              <a:ea typeface="Open Sans" panose="020B0606030504020204" pitchFamily="34" charset="0"/>
+              <a:cs typeface="Open Sans" panose="020B0606030504020204" pitchFamily="34" charset="0"/>
+            </a:endParaRPr>
           </a:p>
           <a:p>
             <a:endParaRPr lang="en-US" sz="3600" dirty="0">
